--- a/Deep-Byun/Day4/MLE & MAP.pptx
+++ b/Deep-Byun/Day4/MLE & MAP.pptx
@@ -3636,7 +3636,7 @@
     <mc:Choice Requires="p14">
       <p:transition/>
     </mc:Choice>
-    <mc:Fallback xmlns:dsp="http://schemas.microsoft.com/office/drawing/2008/diagram" xmlns:dgm="http://schemas.openxmlformats.org/drawingml/2006/diagram" xmlns:c="http://schemas.openxmlformats.org/drawingml/2006/chart" xmlns="">
+    <mc:Fallback xmlns="" xmlns:c="http://schemas.openxmlformats.org/drawingml/2006/chart" xmlns:dgm="http://schemas.openxmlformats.org/drawingml/2006/diagram" xmlns:dsp="http://schemas.microsoft.com/office/drawing/2008/diagram">
       <p:transition/>
     </mc:Fallback>
   </mc:AlternateContent>
@@ -6032,16 +6032,10 @@
               <a:t>우리의 목적은 </a:t>
             </a:r>
             <a:r>
-              <a:rPr lang="en-US" altLang="ko-KR" sz="1400">
-                <a:latin typeface="+mn-ea"/>
-              </a:rPr>
-              <a:t>P</a:t>
-            </a:r>
-            <a:r>
               <a:rPr lang="en-US" altLang="ko-KR" sz="1400" b="1">
                 <a:latin typeface="+mn-ea"/>
               </a:rPr>
-              <a:t>osterior</a:t>
+              <a:t>Posterior</a:t>
             </a:r>
             <a:r>
               <a:rPr lang="ko-KR" altLang="en-US" sz="1400">
@@ -15262,10 +15256,10 @@
       </p:grpSpPr>
       <p:pic>
         <p:nvPicPr>
-          <p:cNvPr id="7" name="그림 6">
-            <a:extLst>
-              <a:ext uri="{FF2B5EF4-FFF2-40B4-BE49-F238E27FC236}">
-                <a16:creationId xmlns:a16="http://schemas.microsoft.com/office/drawing/2014/main" id="{05E5DAF8-D592-454F-B509-71B3BE03A6B7}"/>
+          <p:cNvPr id="14" name="그림 13">
+            <a:extLst>
+              <a:ext uri="{FF2B5EF4-FFF2-40B4-BE49-F238E27FC236}">
+                <a16:creationId xmlns:a16="http://schemas.microsoft.com/office/drawing/2014/main" id="{30B0E13D-807D-4B33-AA8B-1BDBA4D9BCE8}"/>
               </a:ext>
             </a:extLst>
           </p:cNvPr>
@@ -15282,7 +15276,7 @@
         </p:blipFill>
         <p:spPr>
           <a:xfrm>
-            <a:off x="3214687" y="1387229"/>
+            <a:off x="1013024" y="1378351"/>
             <a:ext cx="5762625" cy="2315190"/>
           </a:xfrm>
           <a:prstGeom prst="rect">
@@ -15863,6 +15857,36 @@
           </a:fontRef>
         </p:style>
       </p:cxnSp>
+      <p:pic>
+        <p:nvPicPr>
+          <p:cNvPr id="3" name="그림 2">
+            <a:extLst>
+              <a:ext uri="{FF2B5EF4-FFF2-40B4-BE49-F238E27FC236}">
+                <a16:creationId xmlns:a16="http://schemas.microsoft.com/office/drawing/2014/main" id="{57C5700D-A6B6-4543-A701-CFE268673622}"/>
+              </a:ext>
+            </a:extLst>
+          </p:cNvPr>
+          <p:cNvPicPr>
+            <a:picLocks noChangeAspect="1"/>
+          </p:cNvPicPr>
+          <p:nvPr/>
+        </p:nvPicPr>
+        <p:blipFill>
+          <a:blip r:embed="rId3"/>
+          <a:stretch>
+            <a:fillRect/>
+          </a:stretch>
+        </p:blipFill>
+        <p:spPr>
+          <a:xfrm>
+            <a:off x="7144027" y="2424281"/>
+            <a:ext cx="3905250" cy="542925"/>
+          </a:xfrm>
+          <a:prstGeom prst="rect">
+            <a:avLst/>
+          </a:prstGeom>
+        </p:spPr>
+      </p:pic>
     </p:spTree>
     <p:extLst>
       <p:ext uri="{BB962C8B-B14F-4D97-AF65-F5344CB8AC3E}">
@@ -15893,8 +15917,8 @@
           <a:chExt cx="0" cy="0"/>
         </a:xfrm>
       </p:grpSpPr>
-      <mc:AlternateContent xmlns:mc="http://schemas.openxmlformats.org/markup-compatibility/2006">
-        <mc:Choice xmlns:a14="http://schemas.microsoft.com/office/drawing/2010/main" Requires="a14">
+      <mc:AlternateContent xmlns:mc="http://schemas.openxmlformats.org/markup-compatibility/2006" xmlns:a14="http://schemas.microsoft.com/office/drawing/2010/main">
+        <mc:Choice Requires="a14">
           <p:sp>
             <p:nvSpPr>
               <p:cNvPr id="12" name="TextBox 11">
@@ -16377,7 +16401,7 @@
             </p:txBody>
           </p:sp>
         </mc:Choice>
-        <mc:Fallback>
+        <mc:Fallback xmlns="">
           <p:sp>
             <p:nvSpPr>
               <p:cNvPr id="12" name="TextBox 11">
